--- a/MendelianProbLikelihood2019.pptx
+++ b/MendelianProbLikelihood2019.pptx
@@ -250,7 +250,7 @@
           <a:p>
             <a:fld id="{D2B71123-33DA-43D7-A0BF-1598981489D8}" type="datetimeFigureOut">
               <a:rPr kumimoji="1" lang="ja-JP" altLang="en-US" smtClean="0"/>
-              <a:t>2019/11/26</a:t>
+              <a:t>2019/11/27</a:t>
             </a:fld>
             <a:endParaRPr kumimoji="1" lang="ja-JP" altLang="en-US"/>
           </a:p>
@@ -452,7 +452,7 @@
           <a:p>
             <a:fld id="{D2B71123-33DA-43D7-A0BF-1598981489D8}" type="datetimeFigureOut">
               <a:rPr kumimoji="1" lang="ja-JP" altLang="en-US" smtClean="0"/>
-              <a:t>2019/11/26</a:t>
+              <a:t>2019/11/27</a:t>
             </a:fld>
             <a:endParaRPr kumimoji="1" lang="ja-JP" altLang="en-US"/>
           </a:p>
@@ -664,7 +664,7 @@
           <a:p>
             <a:fld id="{D2B71123-33DA-43D7-A0BF-1598981489D8}" type="datetimeFigureOut">
               <a:rPr kumimoji="1" lang="ja-JP" altLang="en-US" smtClean="0"/>
-              <a:t>2019/11/26</a:t>
+              <a:t>2019/11/27</a:t>
             </a:fld>
             <a:endParaRPr kumimoji="1" lang="ja-JP" altLang="en-US"/>
           </a:p>
@@ -866,7 +866,7 @@
           <a:p>
             <a:fld id="{D2B71123-33DA-43D7-A0BF-1598981489D8}" type="datetimeFigureOut">
               <a:rPr kumimoji="1" lang="ja-JP" altLang="en-US" smtClean="0"/>
-              <a:t>2019/11/26</a:t>
+              <a:t>2019/11/27</a:t>
             </a:fld>
             <a:endParaRPr kumimoji="1" lang="ja-JP" altLang="en-US"/>
           </a:p>
@@ -1112,7 +1112,7 @@
           <a:p>
             <a:fld id="{D2B71123-33DA-43D7-A0BF-1598981489D8}" type="datetimeFigureOut">
               <a:rPr kumimoji="1" lang="ja-JP" altLang="en-US" smtClean="0"/>
-              <a:t>2019/11/26</a:t>
+              <a:t>2019/11/27</a:t>
             </a:fld>
             <a:endParaRPr kumimoji="1" lang="ja-JP" altLang="en-US"/>
           </a:p>
@@ -1408,7 +1408,7 @@
           <a:p>
             <a:fld id="{D2B71123-33DA-43D7-A0BF-1598981489D8}" type="datetimeFigureOut">
               <a:rPr kumimoji="1" lang="ja-JP" altLang="en-US" smtClean="0"/>
-              <a:t>2019/11/26</a:t>
+              <a:t>2019/11/27</a:t>
             </a:fld>
             <a:endParaRPr kumimoji="1" lang="ja-JP" altLang="en-US"/>
           </a:p>
@@ -1839,7 +1839,7 @@
           <a:p>
             <a:fld id="{D2B71123-33DA-43D7-A0BF-1598981489D8}" type="datetimeFigureOut">
               <a:rPr kumimoji="1" lang="ja-JP" altLang="en-US" smtClean="0"/>
-              <a:t>2019/11/26</a:t>
+              <a:t>2019/11/27</a:t>
             </a:fld>
             <a:endParaRPr kumimoji="1" lang="ja-JP" altLang="en-US"/>
           </a:p>
@@ -1957,7 +1957,7 @@
           <a:p>
             <a:fld id="{D2B71123-33DA-43D7-A0BF-1598981489D8}" type="datetimeFigureOut">
               <a:rPr kumimoji="1" lang="ja-JP" altLang="en-US" smtClean="0"/>
-              <a:t>2019/11/26</a:t>
+              <a:t>2019/11/27</a:t>
             </a:fld>
             <a:endParaRPr kumimoji="1" lang="ja-JP" altLang="en-US"/>
           </a:p>
@@ -2052,7 +2052,7 @@
           <a:p>
             <a:fld id="{D2B71123-33DA-43D7-A0BF-1598981489D8}" type="datetimeFigureOut">
               <a:rPr kumimoji="1" lang="ja-JP" altLang="en-US" smtClean="0"/>
-              <a:t>2019/11/26</a:t>
+              <a:t>2019/11/27</a:t>
             </a:fld>
             <a:endParaRPr kumimoji="1" lang="ja-JP" altLang="en-US"/>
           </a:p>
@@ -2361,7 +2361,7 @@
           <a:p>
             <a:fld id="{D2B71123-33DA-43D7-A0BF-1598981489D8}" type="datetimeFigureOut">
               <a:rPr kumimoji="1" lang="ja-JP" altLang="en-US" smtClean="0"/>
-              <a:t>2019/11/26</a:t>
+              <a:t>2019/11/27</a:t>
             </a:fld>
             <a:endParaRPr kumimoji="1" lang="ja-JP" altLang="en-US"/>
           </a:p>
@@ -2614,7 +2614,7 @@
           <a:p>
             <a:fld id="{D2B71123-33DA-43D7-A0BF-1598981489D8}" type="datetimeFigureOut">
               <a:rPr kumimoji="1" lang="ja-JP" altLang="en-US" smtClean="0"/>
-              <a:t>2019/11/26</a:t>
+              <a:t>2019/11/27</a:t>
             </a:fld>
             <a:endParaRPr kumimoji="1" lang="ja-JP" altLang="en-US"/>
           </a:p>
@@ -2859,7 +2859,7 @@
           <a:p>
             <a:fld id="{D2B71123-33DA-43D7-A0BF-1598981489D8}" type="datetimeFigureOut">
               <a:rPr kumimoji="1" lang="ja-JP" altLang="en-US" smtClean="0"/>
-              <a:t>2019/11/26</a:t>
+              <a:t>2019/11/27</a:t>
             </a:fld>
             <a:endParaRPr kumimoji="1" lang="ja-JP" altLang="en-US"/>
           </a:p>
@@ -3733,11 +3733,23 @@
             </a:r>
             <a:r>
               <a:rPr lang="en-US" altLang="ja-JP" dirty="0" smtClean="0"/>
-              <a:t>{m} -&gt; P : m</a:t>
-            </a:r>
-            <a:r>
-              <a:rPr lang="ja-JP" altLang="en-US" dirty="0" smtClean="0"/>
-              <a:t>染色体劣性遺伝形式</a:t>
+              <a:t>{M} </a:t>
+            </a:r>
+            <a:r>
+              <a:rPr lang="en-US" altLang="ja-JP" dirty="0" smtClean="0"/>
+              <a:t>-&gt; P : </a:t>
+            </a:r>
+            <a:r>
+              <a:rPr lang="en-US" altLang="ja-JP" dirty="0" smtClean="0"/>
+              <a:t>X</a:t>
+            </a:r>
+            <a:r>
+              <a:rPr lang="ja-JP" altLang="en-US" dirty="0" smtClean="0"/>
+              <a:t>染色体</a:t>
+            </a:r>
+            <a:r>
+              <a:rPr lang="ja-JP" altLang="en-US" dirty="0" smtClean="0"/>
+              <a:t>劣性遺伝形式</a:t>
             </a:r>
             <a:endParaRPr lang="en-US" altLang="ja-JP" dirty="0" smtClean="0"/>
           </a:p>
@@ -4225,8 +4237,8 @@
           </a:p>
         </p:txBody>
       </p:sp>
-      <mc:AlternateContent xmlns:mc="http://schemas.openxmlformats.org/markup-compatibility/2006" xmlns:a14="http://schemas.microsoft.com/office/drawing/2010/main">
-        <mc:Choice Requires="a14">
+      <mc:AlternateContent xmlns:mc="http://schemas.openxmlformats.org/markup-compatibility/2006">
+        <mc:Choice xmlns:a14="http://schemas.microsoft.com/office/drawing/2010/main" Requires="a14">
           <p:sp>
             <p:nvSpPr>
               <p:cNvPr id="3" name="コンテンツ プレースホルダー 2"/>
@@ -4302,8 +4314,9 @@
                 </a:r>
                 <a:r>
                   <a:rPr kumimoji="1" lang="en-US" altLang="ja-JP" dirty="0" smtClean="0"/>
-                  <a:t>0.8,0.8,0.1</a:t>
-                </a:r>
+                  <a:t>0.8,0.1,0.1</a:t>
+                </a:r>
+                <a:endParaRPr kumimoji="1" lang="en-US" altLang="ja-JP" dirty="0" smtClean="0"/>
               </a:p>
               <a:p>
                 <a:pPr lvl="1"/>
@@ -4780,7 +4793,7 @@
             </p:txBody>
           </p:sp>
         </mc:Choice>
-        <mc:Fallback xmlns="">
+        <mc:Fallback>
           <p:sp>
             <p:nvSpPr>
               <p:cNvPr id="3" name="コンテンツ プレースホルダー 2"/>
